--- a/doc/AzureAdDeployer1.0_Raphael_Büchi.pptx
+++ b/doc/AzureAdDeployer1.0_Raphael_Büchi.pptx
@@ -110,6 +110,11 @@
       </a:defRPr>
     </a:lvl9pPr>
   </p:defaultTextStyle>
+  <p:extLst>
+    <p:ext uri="{EFAFB233-063F-42B5-8137-9DF3F51BA10A}">
+      <p15:sldGuideLst xmlns:p15="http://schemas.microsoft.com/office/powerpoint/2012/main"/>
+    </p:ext>
+  </p:extLst>
 </p:presentation>
 </file>
 
@@ -262,7 +267,7 @@
           <a:p>
             <a:fld id="{D3229C79-DAF1-497A-89DB-ABCF625F46EA}" type="datetimeFigureOut">
               <a:rPr lang="LID4096" smtClean="0"/>
-              <a:t>09/01/2020</a:t>
+              <a:t>09/02/2020</a:t>
             </a:fld>
             <a:endParaRPr lang="LID4096"/>
           </a:p>
@@ -462,7 +467,7 @@
           <a:p>
             <a:fld id="{D3229C79-DAF1-497A-89DB-ABCF625F46EA}" type="datetimeFigureOut">
               <a:rPr lang="LID4096" smtClean="0"/>
-              <a:t>09/01/2020</a:t>
+              <a:t>09/02/2020</a:t>
             </a:fld>
             <a:endParaRPr lang="LID4096"/>
           </a:p>
@@ -672,7 +677,7 @@
           <a:p>
             <a:fld id="{D3229C79-DAF1-497A-89DB-ABCF625F46EA}" type="datetimeFigureOut">
               <a:rPr lang="LID4096" smtClean="0"/>
-              <a:t>09/01/2020</a:t>
+              <a:t>09/02/2020</a:t>
             </a:fld>
             <a:endParaRPr lang="LID4096"/>
           </a:p>
@@ -872,7 +877,7 @@
           <a:p>
             <a:fld id="{D3229C79-DAF1-497A-89DB-ABCF625F46EA}" type="datetimeFigureOut">
               <a:rPr lang="LID4096" smtClean="0"/>
-              <a:t>09/01/2020</a:t>
+              <a:t>09/02/2020</a:t>
             </a:fld>
             <a:endParaRPr lang="LID4096"/>
           </a:p>
@@ -1148,7 +1153,7 @@
           <a:p>
             <a:fld id="{D3229C79-DAF1-497A-89DB-ABCF625F46EA}" type="datetimeFigureOut">
               <a:rPr lang="LID4096" smtClean="0"/>
-              <a:t>09/01/2020</a:t>
+              <a:t>09/02/2020</a:t>
             </a:fld>
             <a:endParaRPr lang="LID4096"/>
           </a:p>
@@ -1416,7 +1421,7 @@
           <a:p>
             <a:fld id="{D3229C79-DAF1-497A-89DB-ABCF625F46EA}" type="datetimeFigureOut">
               <a:rPr lang="LID4096" smtClean="0"/>
-              <a:t>09/01/2020</a:t>
+              <a:t>09/02/2020</a:t>
             </a:fld>
             <a:endParaRPr lang="LID4096"/>
           </a:p>
@@ -1831,7 +1836,7 @@
           <a:p>
             <a:fld id="{D3229C79-DAF1-497A-89DB-ABCF625F46EA}" type="datetimeFigureOut">
               <a:rPr lang="LID4096" smtClean="0"/>
-              <a:t>09/01/2020</a:t>
+              <a:t>09/02/2020</a:t>
             </a:fld>
             <a:endParaRPr lang="LID4096"/>
           </a:p>
@@ -1973,7 +1978,7 @@
           <a:p>
             <a:fld id="{D3229C79-DAF1-497A-89DB-ABCF625F46EA}" type="datetimeFigureOut">
               <a:rPr lang="LID4096" smtClean="0"/>
-              <a:t>09/01/2020</a:t>
+              <a:t>09/02/2020</a:t>
             </a:fld>
             <a:endParaRPr lang="LID4096"/>
           </a:p>
@@ -2086,7 +2091,7 @@
           <a:p>
             <a:fld id="{D3229C79-DAF1-497A-89DB-ABCF625F46EA}" type="datetimeFigureOut">
               <a:rPr lang="LID4096" smtClean="0"/>
-              <a:t>09/01/2020</a:t>
+              <a:t>09/02/2020</a:t>
             </a:fld>
             <a:endParaRPr lang="LID4096"/>
           </a:p>
@@ -2399,7 +2404,7 @@
           <a:p>
             <a:fld id="{D3229C79-DAF1-497A-89DB-ABCF625F46EA}" type="datetimeFigureOut">
               <a:rPr lang="LID4096" smtClean="0"/>
-              <a:t>09/01/2020</a:t>
+              <a:t>09/02/2020</a:t>
             </a:fld>
             <a:endParaRPr lang="LID4096"/>
           </a:p>
@@ -2688,7 +2693,7 @@
           <a:p>
             <a:fld id="{D3229C79-DAF1-497A-89DB-ABCF625F46EA}" type="datetimeFigureOut">
               <a:rPr lang="LID4096" smtClean="0"/>
-              <a:t>09/01/2020</a:t>
+              <a:t>09/02/2020</a:t>
             </a:fld>
             <a:endParaRPr lang="LID4096"/>
           </a:p>
@@ -2931,7 +2936,7 @@
           <a:p>
             <a:fld id="{D3229C79-DAF1-497A-89DB-ABCF625F46EA}" type="datetimeFigureOut">
               <a:rPr lang="LID4096" smtClean="0"/>
-              <a:t>09/01/2020</a:t>
+              <a:t>09/02/2020</a:t>
             </a:fld>
             <a:endParaRPr lang="LID4096"/>
           </a:p>
@@ -5030,8 +5035,8 @@
         </p:blipFill>
         <p:spPr>
           <a:xfrm>
-            <a:off x="1394679" y="643467"/>
-            <a:ext cx="9402642" cy="5571065"/>
+            <a:off x="840629" y="315193"/>
+            <a:ext cx="10510742" cy="6227614"/>
           </a:xfrm>
           <a:prstGeom prst="rect">
             <a:avLst/>
